--- a/DevSecOpsPipline.pptx
+++ b/DevSecOpsPipline.pptx
@@ -5579,7 +5579,7 @@
         </p:nvSpPr>
         <p:spPr>
           <a:xfrm>
-            <a:off x="2032524" y="180312"/>
+            <a:off x="1948545" y="159390"/>
             <a:ext cx="1308000" cy="597600"/>
           </a:xfrm>
           <a:prstGeom prst="rect">
@@ -5711,7 +5711,7 @@
         </p:nvSpPr>
         <p:spPr>
           <a:xfrm>
-            <a:off x="112844" y="182921"/>
+            <a:off x="69515" y="173686"/>
             <a:ext cx="1308000" cy="597600"/>
           </a:xfrm>
           <a:prstGeom prst="rect">
@@ -5740,10 +5740,10 @@
               <a:buNone/>
             </a:pPr>
             <a:r>
-              <a:rPr lang="en" sz="1000"/>
+              <a:rPr lang="en" sz="1000" dirty="0"/>
               <a:t>Application code or OS change</a:t>
             </a:r>
-            <a:endParaRPr sz="1000"/>
+            <a:endParaRPr sz="1000" dirty="0"/>
           </a:p>
         </p:txBody>
       </p:sp>
@@ -5755,7 +5755,7 @@
         </p:nvSpPr>
         <p:spPr>
           <a:xfrm>
-            <a:off x="232114" y="2123846"/>
+            <a:off x="175496" y="3283411"/>
             <a:ext cx="1308000" cy="597600"/>
           </a:xfrm>
           <a:prstGeom prst="rect">
@@ -5845,9 +5845,9 @@
           <p:nvPr/>
         </p:nvCxnSpPr>
         <p:spPr>
-          <a:xfrm flipV="1">
-            <a:off x="3340524" y="472486"/>
-            <a:ext cx="486376" cy="6626"/>
+          <a:xfrm>
+            <a:off x="3256545" y="458190"/>
+            <a:ext cx="570355" cy="14296"/>
           </a:xfrm>
           <a:prstGeom prst="bentConnector3">
             <a:avLst/>
@@ -5913,39 +5913,6 @@
         <p:spPr>
           <a:xfrm flipV="1">
             <a:off x="6826653" y="458190"/>
-            <a:ext cx="486376" cy="6626"/>
-          </a:xfrm>
-          <a:prstGeom prst="bentConnector3">
-            <a:avLst/>
-          </a:prstGeom>
-          <a:ln>
-            <a:tailEnd type="triangle"/>
-          </a:ln>
-        </p:spPr>
-        <p:style>
-          <a:lnRef idx="1">
-            <a:schemeClr val="accent1"/>
-          </a:lnRef>
-          <a:fillRef idx="0">
-            <a:schemeClr val="accent1"/>
-          </a:fillRef>
-          <a:effectRef idx="0">
-            <a:schemeClr val="accent1"/>
-          </a:effectRef>
-          <a:fontRef idx="minor">
-            <a:schemeClr val="tx1"/>
-          </a:fontRef>
-        </p:style>
-      </p:cxnSp>
-      <p:cxnSp>
-        <p:nvCxnSpPr>
-          <p:cNvPr id="30" name="Elbow Connector 29"/>
-          <p:cNvCxnSpPr/>
-          <p:nvPr/>
-        </p:nvCxnSpPr>
-        <p:spPr>
-          <a:xfrm flipV="1">
-            <a:off x="1483496" y="451564"/>
             <a:ext cx="486376" cy="6626"/>
           </a:xfrm>
           <a:prstGeom prst="bentConnector3">
@@ -6059,7 +6026,7 @@
         </p:nvSpPr>
         <p:spPr>
           <a:xfrm>
-            <a:off x="2686524" y="2123846"/>
+            <a:off x="2796547" y="2862063"/>
             <a:ext cx="1649894" cy="870448"/>
           </a:xfrm>
           <a:prstGeom prst="rect">
@@ -6095,9 +6062,9 @@
           <p:nvPr/>
         </p:nvCxnSpPr>
         <p:spPr>
-          <a:xfrm>
-            <a:off x="1540114" y="2422646"/>
-            <a:ext cx="1146410" cy="136424"/>
+          <a:xfrm flipV="1">
+            <a:off x="1483496" y="3297287"/>
+            <a:ext cx="1313051" cy="284924"/>
           </a:xfrm>
           <a:prstGeom prst="bentConnector3">
             <a:avLst/>
@@ -6132,8 +6099,8 @@
         </p:nvCxnSpPr>
         <p:spPr>
           <a:xfrm flipV="1">
-            <a:off x="4336418" y="771286"/>
-            <a:ext cx="1834217" cy="1787784"/>
+            <a:off x="4446441" y="771286"/>
+            <a:ext cx="1724194" cy="2526001"/>
           </a:xfrm>
           <a:prstGeom prst="bentConnector2">
             <a:avLst/>
@@ -6157,6 +6124,293 @@
           </a:fontRef>
         </p:style>
       </p:cxnSp>
+      <p:cxnSp>
+        <p:nvCxnSpPr>
+          <p:cNvPr id="7" name="Elbow Connector 6"/>
+          <p:cNvCxnSpPr>
+            <a:stCxn id="57" idx="3"/>
+            <a:endCxn id="54" idx="1"/>
+          </p:cNvCxnSpPr>
+          <p:nvPr/>
+        </p:nvCxnSpPr>
+        <p:spPr>
+          <a:xfrm flipV="1">
+            <a:off x="1377515" y="458190"/>
+            <a:ext cx="571030" cy="14296"/>
+          </a:xfrm>
+          <a:prstGeom prst="bentConnector3">
+            <a:avLst/>
+          </a:prstGeom>
+          <a:ln>
+            <a:tailEnd type="triangle"/>
+          </a:ln>
+        </p:spPr>
+        <p:style>
+          <a:lnRef idx="1">
+            <a:schemeClr val="accent1"/>
+          </a:lnRef>
+          <a:fillRef idx="0">
+            <a:schemeClr val="accent1"/>
+          </a:fillRef>
+          <a:effectRef idx="0">
+            <a:schemeClr val="accent1"/>
+          </a:effectRef>
+          <a:fontRef idx="minor">
+            <a:schemeClr val="tx1"/>
+          </a:fontRef>
+        </p:style>
+      </p:cxnSp>
+      <p:sp>
+        <p:nvSpPr>
+          <p:cNvPr id="13" name="TextBox 12"/>
+          <p:cNvSpPr txBox="1"/>
+          <p:nvPr/>
+        </p:nvSpPr>
+        <p:spPr>
+          <a:xfrm>
+            <a:off x="3877162" y="786336"/>
+            <a:ext cx="1510430" cy="523220"/>
+          </a:xfrm>
+          <a:prstGeom prst="rect">
+            <a:avLst/>
+          </a:prstGeom>
+          <a:noFill/>
+        </p:spPr>
+        <p:txBody>
+          <a:bodyPr wrap="square" rtlCol="0">
+            <a:spAutoFit/>
+          </a:bodyPr>
+          <a:lstStyle/>
+          <a:p>
+            <a:r>
+              <a:rPr kumimoji="1" lang="en-US" altLang="ja-JP" dirty="0" err="1" smtClean="0"/>
+              <a:t>Sonarqube</a:t>
+            </a:r>
+            <a:r>
+              <a:rPr kumimoji="1" lang="en-US" altLang="ja-JP" dirty="0" smtClean="0"/>
+              <a:t>, </a:t>
+            </a:r>
+            <a:r>
+              <a:rPr kumimoji="1" lang="en-US" altLang="ja-JP" dirty="0" err="1" smtClean="0"/>
+              <a:t>Blackduck</a:t>
+            </a:r>
+            <a:endParaRPr kumimoji="1" lang="ja-JP" altLang="en-US" dirty="0"/>
+          </a:p>
+        </p:txBody>
+      </p:sp>
+      <p:pic>
+        <p:nvPicPr>
+          <p:cNvPr id="15" name="Picture 14"/>
+          <p:cNvPicPr>
+            <a:picLocks noChangeAspect="1"/>
+          </p:cNvPicPr>
+          <p:nvPr/>
+        </p:nvPicPr>
+        <p:blipFill>
+          <a:blip r:embed="rId3"/>
+          <a:stretch>
+            <a:fillRect/>
+          </a:stretch>
+        </p:blipFill>
+        <p:spPr>
+          <a:xfrm>
+            <a:off x="2971879" y="813445"/>
+            <a:ext cx="841042" cy="420521"/>
+          </a:xfrm>
+          <a:prstGeom prst="rect">
+            <a:avLst/>
+          </a:prstGeom>
+        </p:spPr>
+      </p:pic>
+      <p:pic>
+        <p:nvPicPr>
+          <p:cNvPr id="16" name="Picture 15"/>
+          <p:cNvPicPr>
+            <a:picLocks noChangeAspect="1"/>
+          </p:cNvPicPr>
+          <p:nvPr/>
+        </p:nvPicPr>
+        <p:blipFill>
+          <a:blip r:embed="rId4"/>
+          <a:stretch>
+            <a:fillRect/>
+          </a:stretch>
+        </p:blipFill>
+        <p:spPr>
+          <a:xfrm>
+            <a:off x="2971879" y="1170941"/>
+            <a:ext cx="752156" cy="519453"/>
+          </a:xfrm>
+          <a:prstGeom prst="rect">
+            <a:avLst/>
+          </a:prstGeom>
+        </p:spPr>
+      </p:pic>
+      <p:sp>
+        <p:nvSpPr>
+          <p:cNvPr id="32" name="TextBox 31"/>
+          <p:cNvSpPr txBox="1"/>
+          <p:nvPr/>
+        </p:nvSpPr>
+        <p:spPr>
+          <a:xfrm>
+            <a:off x="2681994" y="3824704"/>
+            <a:ext cx="2084081" cy="307777"/>
+          </a:xfrm>
+          <a:prstGeom prst="rect">
+            <a:avLst/>
+          </a:prstGeom>
+          <a:noFill/>
+        </p:spPr>
+        <p:txBody>
+          <a:bodyPr wrap="square" rtlCol="0">
+            <a:spAutoFit/>
+          </a:bodyPr>
+          <a:lstStyle/>
+          <a:p>
+            <a:r>
+              <a:rPr kumimoji="1" lang="en-US" altLang="ja-JP" dirty="0" smtClean="0"/>
+              <a:t>Technology: Regula</a:t>
+            </a:r>
+            <a:endParaRPr kumimoji="1" lang="ja-JP" altLang="en-US" dirty="0"/>
+          </a:p>
+        </p:txBody>
+      </p:sp>
+      <p:sp>
+        <p:nvSpPr>
+          <p:cNvPr id="33" name="TextBox 32"/>
+          <p:cNvSpPr txBox="1"/>
+          <p:nvPr/>
+        </p:nvSpPr>
+        <p:spPr>
+          <a:xfrm>
+            <a:off x="7312386" y="2602136"/>
+            <a:ext cx="2113720" cy="738664"/>
+          </a:xfrm>
+          <a:prstGeom prst="rect">
+            <a:avLst/>
+          </a:prstGeom>
+          <a:noFill/>
+        </p:spPr>
+        <p:txBody>
+          <a:bodyPr wrap="square" rtlCol="0">
+            <a:spAutoFit/>
+          </a:bodyPr>
+          <a:lstStyle/>
+          <a:p>
+            <a:pPr marL="285750" indent="-285750">
+              <a:buFontTx/>
+              <a:buChar char="-"/>
+            </a:pPr>
+            <a:r>
+              <a:rPr kumimoji="1" lang="en-US" altLang="ja-JP" dirty="0" smtClean="0"/>
+              <a:t>AWS </a:t>
+            </a:r>
+            <a:r>
+              <a:rPr kumimoji="1" lang="en-US" altLang="ja-JP" dirty="0" err="1" smtClean="0"/>
+              <a:t>Config</a:t>
+            </a:r>
+            <a:endParaRPr kumimoji="1" lang="en-US" altLang="ja-JP" dirty="0" smtClean="0"/>
+          </a:p>
+          <a:p>
+            <a:pPr marL="285750" indent="-285750">
+              <a:buFontTx/>
+              <a:buChar char="-"/>
+            </a:pPr>
+            <a:r>
+              <a:rPr kumimoji="1" lang="en-US" altLang="ja-JP" dirty="0" smtClean="0"/>
+              <a:t>AWS Inspector</a:t>
+            </a:r>
+          </a:p>
+          <a:p>
+            <a:pPr marL="285750" indent="-285750">
+              <a:buFontTx/>
+              <a:buChar char="-"/>
+            </a:pPr>
+            <a:r>
+              <a:rPr kumimoji="1" lang="en-US" altLang="ja-JP" dirty="0" smtClean="0"/>
+              <a:t>AWS </a:t>
+            </a:r>
+            <a:r>
+              <a:rPr kumimoji="1" lang="en-US" altLang="ja-JP" dirty="0" err="1" smtClean="0"/>
+              <a:t>GuardDuty</a:t>
+            </a:r>
+            <a:endParaRPr kumimoji="1" lang="ja-JP" altLang="en-US" dirty="0"/>
+          </a:p>
+        </p:txBody>
+      </p:sp>
+      <p:pic>
+        <p:nvPicPr>
+          <p:cNvPr id="18" name="Picture 17"/>
+          <p:cNvPicPr>
+            <a:picLocks noChangeAspect="1"/>
+          </p:cNvPicPr>
+          <p:nvPr/>
+        </p:nvPicPr>
+        <p:blipFill>
+          <a:blip r:embed="rId5"/>
+          <a:stretch>
+            <a:fillRect/>
+          </a:stretch>
+        </p:blipFill>
+        <p:spPr>
+          <a:xfrm>
+            <a:off x="8523271" y="3350816"/>
+            <a:ext cx="455615" cy="462790"/>
+          </a:xfrm>
+          <a:prstGeom prst="rect">
+            <a:avLst/>
+          </a:prstGeom>
+        </p:spPr>
+      </p:pic>
+      <p:pic>
+        <p:nvPicPr>
+          <p:cNvPr id="19" name="Picture 18"/>
+          <p:cNvPicPr>
+            <a:picLocks noChangeAspect="1"/>
+          </p:cNvPicPr>
+          <p:nvPr/>
+        </p:nvPicPr>
+        <p:blipFill>
+          <a:blip r:embed="rId6"/>
+          <a:stretch>
+            <a:fillRect/>
+          </a:stretch>
+        </p:blipFill>
+        <p:spPr>
+          <a:xfrm>
+            <a:off x="8010942" y="3359703"/>
+            <a:ext cx="452695" cy="463919"/>
+          </a:xfrm>
+          <a:prstGeom prst="rect">
+            <a:avLst/>
+          </a:prstGeom>
+        </p:spPr>
+      </p:pic>
+      <p:pic>
+        <p:nvPicPr>
+          <p:cNvPr id="21" name="Picture 20"/>
+          <p:cNvPicPr>
+            <a:picLocks noChangeAspect="1"/>
+          </p:cNvPicPr>
+          <p:nvPr/>
+        </p:nvPicPr>
+        <p:blipFill>
+          <a:blip r:embed="rId7"/>
+          <a:stretch>
+            <a:fillRect/>
+          </a:stretch>
+        </p:blipFill>
+        <p:spPr>
+          <a:xfrm>
+            <a:off x="7478434" y="3359703"/>
+            <a:ext cx="462935" cy="478541"/>
+          </a:xfrm>
+          <a:prstGeom prst="rect">
+            <a:avLst/>
+          </a:prstGeom>
+        </p:spPr>
+      </p:pic>
     </p:spTree>
   </p:cSld>
   <p:clrMapOvr>
